--- a/web/g24/status/Køreprøven.pptx
+++ b/web/g24/status/Køreprøven.pptx
@@ -4118,7 +4118,15 @@
                   <a:srgbClr val="002060"/>
                 </a:solidFill>
               </a:rPr>
-              <a:t> fredag den 11. </a:t>
+              <a:t> fredag den </a:t>
+            </a:r>
+            <a:r>
+              <a:rPr lang="da-DK" sz="1800" b="0" dirty="0">
+                <a:solidFill>
+                  <a:srgbClr val="002060"/>
+                </a:solidFill>
+              </a:rPr>
+              <a:t>8</a:t>
             </a:r>
             <a:r>
               <a:rPr lang="da-DK" sz="1800" b="0" dirty="0" smtClean="0">
@@ -4126,34 +4134,30 @@
                   <a:srgbClr val="002060"/>
                 </a:solidFill>
               </a:rPr>
+              <a:t>. </a:t>
+            </a:r>
+            <a:r>
+              <a:rPr lang="da-DK" sz="1800" b="0" dirty="0" smtClean="0">
+                <a:solidFill>
+                  <a:srgbClr val="002060"/>
+                </a:solidFill>
+              </a:rPr>
               <a:t>marts</a:t>
             </a:r>
-            <a:endParaRPr lang="da-DK" sz="1800" b="0" dirty="0" smtClean="0">
-              <a:solidFill>
-                <a:srgbClr val="002060"/>
-              </a:solidFill>
-            </a:endParaRPr>
           </a:p>
           <a:p>
             <a:pPr>
               <a:spcBef>
-                <a:spcPts val="1800"/>
+                <a:spcPts val="600"/>
               </a:spcBef>
             </a:pPr>
             <a:r>
-              <a:rPr lang="da-DK" sz="1800" b="0" spc="-60" dirty="0" smtClean="0"/>
-              <a:t>Køreprøven er obligatorisk og skal gennemføres for at komme til mundtlig eksamen</a:t>
-            </a:r>
-          </a:p>
-          <a:p>
-            <a:pPr>
-              <a:spcBef>
-                <a:spcPts val="600"/>
-              </a:spcBef>
-            </a:pPr>
-            <a:r>
               <a:rPr lang="da-DK" sz="1800" b="0" dirty="0" smtClean="0"/>
-              <a:t>Inden køreprøven skal du have godkendt </a:t>
+              <a:t>Inden </a:t>
+            </a:r>
+            <a:r>
+              <a:rPr lang="da-DK" sz="1800" b="0" dirty="0" smtClean="0"/>
+              <a:t>køreprøven skal du have godkendt </a:t>
             </a:r>
             <a:r>
               <a:rPr lang="da-DK" sz="1800" dirty="0" smtClean="0"/>
@@ -4513,16 +4517,7 @@
                 </a:solidFill>
                 <a:cs typeface="ＭＳ Ｐゴシック" pitchFamily="-106" charset="-128"/>
               </a:rPr>
-              <a:t> </a:t>
-            </a:r>
-            <a:r>
-              <a:rPr lang="da-DK" sz="1800" dirty="0" smtClean="0">
-                <a:solidFill>
-                  <a:srgbClr val="002060"/>
-                </a:solidFill>
-                <a:cs typeface="ＭＳ Ｐゴシック" pitchFamily="-106" charset="-128"/>
-              </a:rPr>
-              <a:t>løse i </a:t>
+              <a:t> løse i </a:t>
             </a:r>
             <a:r>
               <a:rPr lang="da-DK" sz="1800" b="1" dirty="0" smtClean="0">
@@ -6281,61 +6276,20 @@
               <a:buChar char="•"/>
             </a:pPr>
             <a:r>
-              <a:rPr lang="da-DK" sz="1800" dirty="0" smtClean="0">
-                <a:solidFill>
-                  <a:srgbClr val="A50021"/>
-                </a:solidFill>
-              </a:rPr>
-              <a:t>Man kan </a:t>
-            </a:r>
-            <a:r>
-              <a:rPr lang="da-DK" sz="1800" b="1" dirty="0" smtClean="0">
-                <a:solidFill>
-                  <a:srgbClr val="008000"/>
-                </a:solidFill>
-              </a:rPr>
-              <a:t>ikke</a:t>
-            </a:r>
-            <a:r>
-              <a:rPr lang="da-DK" sz="1800" dirty="0" smtClean="0">
-                <a:solidFill>
-                  <a:srgbClr val="A50021"/>
-                </a:solidFill>
-              </a:rPr>
-              <a:t> dumpe køreprøven, men da det er en obligatorisk opgave </a:t>
-            </a:r>
-            <a:r>
-              <a:rPr lang="da-DK" sz="1800" b="1" dirty="0" smtClean="0">
-                <a:solidFill>
-                  <a:srgbClr val="A50021"/>
-                </a:solidFill>
-              </a:rPr>
-              <a:t>skal</a:t>
-            </a:r>
-            <a:r>
-              <a:rPr lang="da-DK" sz="1800" dirty="0" smtClean="0">
-                <a:solidFill>
-                  <a:srgbClr val="A50021"/>
-                </a:solidFill>
-              </a:rPr>
-              <a:t> man møde op og deltage</a:t>
-            </a:r>
-          </a:p>
-          <a:p>
-            <a:pPr marL="357188" lvl="1" indent="-357188">
-              <a:spcBef>
-                <a:spcPts val="400"/>
-              </a:spcBef>
-              <a:buFont typeface="Arial" panose="020B0604020202020204" pitchFamily="34" charset="0"/>
-              <a:buChar char="•"/>
-            </a:pPr>
-            <a:r>
               <a:rPr lang="da-DK" sz="1800" spc="-50" dirty="0" smtClean="0">
                 <a:solidFill>
                   <a:srgbClr val="A50021"/>
                 </a:solidFill>
               </a:rPr>
-              <a:t>Pointene for </a:t>
+              <a:t>Pointene </a:t>
+            </a:r>
+            <a:r>
+              <a:rPr lang="da-DK" sz="1800" spc="-50" dirty="0" smtClean="0">
+                <a:solidFill>
+                  <a:srgbClr val="A50021"/>
+                </a:solidFill>
+              </a:rPr>
+              <a:t>for </a:t>
             </a:r>
             <a:r>
               <a:rPr lang="da-DK" sz="1800" b="1" spc="-50" dirty="0" smtClean="0">
@@ -6359,15 +6313,7 @@
                   <a:srgbClr val="A50021"/>
                 </a:solidFill>
               </a:rPr>
-              <a:t>fire </a:t>
-            </a:r>
-            <a:r>
-              <a:rPr lang="da-DK" sz="1800" b="1" spc="-50" dirty="0" smtClean="0">
-                <a:solidFill>
-                  <a:srgbClr val="A50021"/>
-                </a:solidFill>
-              </a:rPr>
-              <a:t>computerspilsafleveringer</a:t>
+              <a:t>fire computerspilsafleveringer</a:t>
             </a:r>
             <a:r>
               <a:rPr lang="da-DK" sz="1800" spc="-50" dirty="0" smtClean="0">
@@ -6375,15 +6321,7 @@
                   <a:srgbClr val="A50021"/>
                 </a:solidFill>
               </a:rPr>
-              <a:t> </a:t>
-            </a:r>
-            <a:r>
-              <a:rPr lang="da-DK" sz="1800" spc="-50" dirty="0" smtClean="0">
-                <a:solidFill>
-                  <a:srgbClr val="A50021"/>
-                </a:solidFill>
-              </a:rPr>
-              <a:t>i kursets anden halvdel tæller med ved fastlæggelsen af den endelige karakter for kurset </a:t>
+              <a:t> i kursets anden halvdel tæller med ved fastlæggelsen af den endelige karakter for kurset </a:t>
             </a:r>
           </a:p>
           <a:p>
@@ -7116,7 +7054,47 @@
                 <a:ea typeface="ＭＳ Ｐゴシック" pitchFamily="-106" charset="-128"/>
                 <a:cs typeface="ＭＳ Ｐゴシック" pitchFamily="-106" charset="-128"/>
               </a:rPr>
-              <a:t>Rekorden er 11 min og 13 sekunder (for et opgavesæt </a:t>
+              <a:t>Rekorden er </a:t>
+            </a:r>
+            <a:r>
+              <a:rPr lang="da-DK" b="1" dirty="0" smtClean="0">
+                <a:solidFill>
+                  <a:srgbClr val="A50021"/>
+                </a:solidFill>
+                <a:ea typeface="ＭＳ Ｐゴシック" pitchFamily="-106" charset="-128"/>
+                <a:cs typeface="ＭＳ Ｐゴシック" pitchFamily="-106" charset="-128"/>
+              </a:rPr>
+              <a:t>9 </a:t>
+            </a:r>
+            <a:r>
+              <a:rPr lang="da-DK" b="1" dirty="0">
+                <a:solidFill>
+                  <a:srgbClr val="A50021"/>
+                </a:solidFill>
+                <a:ea typeface="ＭＳ Ｐゴシック" pitchFamily="-106" charset="-128"/>
+                <a:cs typeface="ＭＳ Ｐゴシック" pitchFamily="-106" charset="-128"/>
+              </a:rPr>
+              <a:t>min og </a:t>
+            </a:r>
+            <a:r>
+              <a:rPr lang="da-DK" b="1" dirty="0" smtClean="0">
+                <a:solidFill>
+                  <a:srgbClr val="A50021"/>
+                </a:solidFill>
+                <a:ea typeface="ＭＳ Ｐゴシック" pitchFamily="-106" charset="-128"/>
+                <a:cs typeface="ＭＳ Ｐゴシック" pitchFamily="-106" charset="-128"/>
+              </a:rPr>
+              <a:t>55 </a:t>
+            </a:r>
+            <a:r>
+              <a:rPr lang="da-DK" b="1" dirty="0">
+                <a:solidFill>
+                  <a:srgbClr val="A50021"/>
+                </a:solidFill>
+                <a:ea typeface="ＭＳ Ｐゴシック" pitchFamily="-106" charset="-128"/>
+                <a:cs typeface="ＭＳ Ｐゴシック" pitchFamily="-106" charset="-128"/>
+              </a:rPr>
+              <a:t>sekunder (for et opgavesæt </a:t>
             </a:r>
             <a:r>
               <a:rPr lang="da-DK" b="1" dirty="0" smtClean="0">

--- a/web/g24/status/Køreprøven.pptx
+++ b/web/g24/status/Køreprøven.pptx
@@ -4134,15 +4134,7 @@
                   <a:srgbClr val="002060"/>
                 </a:solidFill>
               </a:rPr>
-              <a:t>. </a:t>
-            </a:r>
-            <a:r>
-              <a:rPr lang="da-DK" sz="1800" b="0" dirty="0" smtClean="0">
-                <a:solidFill>
-                  <a:srgbClr val="002060"/>
-                </a:solidFill>
-              </a:rPr>
-              <a:t>marts</a:t>
+              <a:t>. marts</a:t>
             </a:r>
           </a:p>
           <a:p>
@@ -4153,11 +4145,7 @@
             </a:pPr>
             <a:r>
               <a:rPr lang="da-DK" sz="1800" b="0" dirty="0" smtClean="0"/>
-              <a:t>Inden </a:t>
-            </a:r>
-            <a:r>
-              <a:rPr lang="da-DK" sz="1800" b="0" dirty="0" smtClean="0"/>
-              <a:t>køreprøven skal du have godkendt </a:t>
+              <a:t>Inden køreprøven skal du have godkendt </a:t>
             </a:r>
             <a:r>
               <a:rPr lang="da-DK" sz="1800" dirty="0" smtClean="0"/>
@@ -6281,15 +6269,7 @@
                   <a:srgbClr val="A50021"/>
                 </a:solidFill>
               </a:rPr>
-              <a:t>Pointene </a:t>
-            </a:r>
-            <a:r>
-              <a:rPr lang="da-DK" sz="1800" spc="-50" dirty="0" smtClean="0">
-                <a:solidFill>
-                  <a:srgbClr val="A50021"/>
-                </a:solidFill>
-              </a:rPr>
-              <a:t>for </a:t>
+              <a:t>Pointene for </a:t>
             </a:r>
             <a:r>
               <a:rPr lang="da-DK" sz="1800" b="1" spc="-50" dirty="0" smtClean="0">
@@ -6627,8 +6607,29 @@
               <a:rPr lang="da-DK" altLang="da-DK" sz="1800" noProof="0" dirty="0" smtClean="0">
                 <a:ea typeface="ＭＳ Ｐゴシック" pitchFamily="34" charset="-128"/>
               </a:rPr>
-              <a:t>) findes nederst på ”Program for seminarer”</a:t>
-            </a:r>
+              <a:t>) </a:t>
+            </a:r>
+            <a:r>
+              <a:rPr lang="da-DK" altLang="da-DK" sz="1800" noProof="0" dirty="0" smtClean="0">
+                <a:ea typeface="ＭＳ Ｐゴシック" pitchFamily="34" charset="-128"/>
+              </a:rPr>
+              <a:t>på siden ”Køreprøvesæt fra tidligere år” </a:t>
+            </a:r>
+            <a:r>
+              <a:rPr lang="da-DK" altLang="da-DK" sz="1800" noProof="0" smtClean="0">
+                <a:ea typeface="ＭＳ Ｐゴシック" pitchFamily="34" charset="-128"/>
+              </a:rPr>
+              <a:t>under ”Afleveringsopgaver</a:t>
+            </a:r>
+            <a:r>
+              <a:rPr lang="da-DK" altLang="da-DK" sz="1800" noProof="0" dirty="0" smtClean="0">
+                <a:ea typeface="ＭＳ Ｐゴシック" pitchFamily="34" charset="-128"/>
+              </a:rPr>
+              <a:t>”</a:t>
+            </a:r>
+            <a:endParaRPr lang="da-DK" altLang="da-DK" sz="1800" noProof="0" dirty="0" smtClean="0">
+              <a:ea typeface="ＭＳ Ｐゴシック" pitchFamily="34" charset="-128"/>
+            </a:endParaRPr>
           </a:p>
           <a:p>
             <a:pPr lvl="1" eaLnBrk="1" hangingPunct="1">
